--- a/branches/extended/2-Java-Programmer-Modulo-II/03.Capitulo01.pptx
+++ b/branches/extended/2-Java-Programmer-Modulo-II/03.Capitulo01.pptx
@@ -254,7 +254,7 @@
               <a:pPr>
                 <a:defRPr/>
               </a:pPr>
-              <a:t>05/05/2012</a:t>
+              <a:t>24/09/2012</a:t>
             </a:fld>
             <a:endParaRPr lang="pt-BR"/>
           </a:p>
@@ -442,7 +442,7 @@
               <a:pPr>
                 <a:defRPr/>
               </a:pPr>
-              <a:t>‹nº›</a:t>
+              <a:t>‹#›</a:t>
             </a:fld>
             <a:endParaRPr lang="pt-BR"/>
           </a:p>
@@ -1680,7 +1680,7 @@
               <a:pPr>
                 <a:defRPr/>
               </a:pPr>
-              <a:t>05/05/2012</a:t>
+              <a:t>24/09/2012</a:t>
             </a:fld>
             <a:endParaRPr lang="pt-BR"/>
           </a:p>
@@ -1739,7 +1739,7 @@
               <a:pPr>
                 <a:defRPr/>
               </a:pPr>
-              <a:t>‹nº›</a:t>
+              <a:t>‹#›</a:t>
             </a:fld>
             <a:endParaRPr lang="pt-BR"/>
           </a:p>
@@ -1872,7 +1872,7 @@
               <a:pPr>
                 <a:defRPr/>
               </a:pPr>
-              <a:t>05/05/2012</a:t>
+              <a:t>24/09/2012</a:t>
             </a:fld>
             <a:endParaRPr lang="pt-BR"/>
           </a:p>
@@ -1931,7 +1931,7 @@
               <a:pPr>
                 <a:defRPr/>
               </a:pPr>
-              <a:t>‹nº›</a:t>
+              <a:t>‹#›</a:t>
             </a:fld>
             <a:endParaRPr lang="pt-BR"/>
           </a:p>
@@ -2074,7 +2074,7 @@
               <a:pPr>
                 <a:defRPr/>
               </a:pPr>
-              <a:t>05/05/2012</a:t>
+              <a:t>24/09/2012</a:t>
             </a:fld>
             <a:endParaRPr lang="pt-BR"/>
           </a:p>
@@ -2133,7 +2133,7 @@
               <a:pPr>
                 <a:defRPr/>
               </a:pPr>
-              <a:t>‹nº›</a:t>
+              <a:t>‹#›</a:t>
             </a:fld>
             <a:endParaRPr lang="pt-BR"/>
           </a:p>
@@ -2174,7 +2174,12 @@
             <p:ph type="title"/>
           </p:nvPr>
         </p:nvSpPr>
-        <p:spPr/>
+        <p:spPr>
+          <a:xfrm>
+            <a:off x="457200" y="274638"/>
+            <a:ext cx="8329642" cy="1143000"/>
+          </a:xfrm>
+        </p:spPr>
         <p:txBody>
           <a:bodyPr/>
           <a:lstStyle>
@@ -2184,10 +2189,10 @@
           </a:lstStyle>
           <a:p>
             <a:r>
-              <a:rPr lang="pt-BR" smtClean="0"/>
+              <a:rPr lang="pt-BR" dirty="0" smtClean="0"/>
               <a:t>Clique para editar o estilo do título mestre</a:t>
             </a:r>
-            <a:endParaRPr lang="en-US"/>
+            <a:endParaRPr lang="en-US" dirty="0"/>
           </a:p>
         </p:txBody>
       </p:sp>
@@ -2270,7 +2275,7 @@
               <a:pPr>
                 <a:defRPr/>
               </a:pPr>
-              <a:t>05/05/2012</a:t>
+              <a:t>24/09/2012</a:t>
             </a:fld>
             <a:endParaRPr lang="pt-BR"/>
           </a:p>
@@ -2329,7 +2334,7 @@
               <a:pPr>
                 <a:defRPr/>
               </a:pPr>
-              <a:t>‹nº›</a:t>
+              <a:t>‹#›</a:t>
             </a:fld>
             <a:endParaRPr lang="pt-BR"/>
           </a:p>
@@ -2776,7 +2781,7 @@
               <a:pPr>
                 <a:defRPr/>
               </a:pPr>
-              <a:t>05/05/2012</a:t>
+              <a:t>24/09/2012</a:t>
             </a:fld>
             <a:endParaRPr lang="pt-BR"/>
           </a:p>
@@ -2835,7 +2840,7 @@
               <a:pPr>
                 <a:defRPr/>
               </a:pPr>
-              <a:t>‹nº›</a:t>
+              <a:t>‹#›</a:t>
             </a:fld>
             <a:endParaRPr lang="pt-BR"/>
           </a:p>
@@ -3067,7 +3072,7 @@
               <a:pPr>
                 <a:defRPr/>
               </a:pPr>
-              <a:t>05/05/2012</a:t>
+              <a:t>24/09/2012</a:t>
             </a:fld>
             <a:endParaRPr lang="pt-BR"/>
           </a:p>
@@ -3126,7 +3131,7 @@
               <a:pPr>
                 <a:defRPr/>
               </a:pPr>
-              <a:t>‹nº›</a:t>
+              <a:t>‹#›</a:t>
             </a:fld>
             <a:endParaRPr lang="pt-BR"/>
           </a:p>
@@ -3468,7 +3473,7 @@
               <a:pPr>
                 <a:defRPr/>
               </a:pPr>
-              <a:t>05/05/2012</a:t>
+              <a:t>24/09/2012</a:t>
             </a:fld>
             <a:endParaRPr lang="pt-BR"/>
           </a:p>
@@ -3527,7 +3532,7 @@
               <a:pPr>
                 <a:defRPr/>
               </a:pPr>
-              <a:t>‹nº›</a:t>
+              <a:t>‹#›</a:t>
             </a:fld>
             <a:endParaRPr lang="pt-BR"/>
           </a:p>
@@ -3617,7 +3622,7 @@
               <a:pPr>
                 <a:defRPr/>
               </a:pPr>
-              <a:t>05/05/2012</a:t>
+              <a:t>24/09/2012</a:t>
             </a:fld>
             <a:endParaRPr lang="pt-BR"/>
           </a:p>
@@ -3676,7 +3681,7 @@
               <a:pPr>
                 <a:defRPr/>
               </a:pPr>
-              <a:t>‹nº›</a:t>
+              <a:t>‹#›</a:t>
             </a:fld>
             <a:endParaRPr lang="pt-BR"/>
           </a:p>
@@ -3734,7 +3739,7 @@
               <a:pPr>
                 <a:defRPr/>
               </a:pPr>
-              <a:t>05/05/2012</a:t>
+              <a:t>24/09/2012</a:t>
             </a:fld>
             <a:endParaRPr lang="pt-BR"/>
           </a:p>
@@ -3793,7 +3798,7 @@
               <a:pPr>
                 <a:defRPr/>
               </a:pPr>
-              <a:t>‹nº›</a:t>
+              <a:t>‹#›</a:t>
             </a:fld>
             <a:endParaRPr lang="pt-BR"/>
           </a:p>
@@ -4010,7 +4015,7 @@
               <a:pPr>
                 <a:defRPr/>
               </a:pPr>
-              <a:t>05/05/2012</a:t>
+              <a:t>24/09/2012</a:t>
             </a:fld>
             <a:endParaRPr lang="pt-BR"/>
           </a:p>
@@ -4074,7 +4079,7 @@
               <a:pPr>
                 <a:defRPr/>
               </a:pPr>
-              <a:t>‹nº›</a:t>
+              <a:t>‹#›</a:t>
             </a:fld>
             <a:endParaRPr lang="pt-BR"/>
           </a:p>
@@ -4294,7 +4299,7 @@
               <a:pPr>
                 <a:defRPr/>
               </a:pPr>
-              <a:t>05/05/2012</a:t>
+              <a:t>24/09/2012</a:t>
             </a:fld>
             <a:endParaRPr lang="pt-BR"/>
           </a:p>
@@ -4353,7 +4358,7 @@
               <a:pPr>
                 <a:defRPr/>
               </a:pPr>
-              <a:t>‹nº›</a:t>
+              <a:t>‹#›</a:t>
             </a:fld>
             <a:endParaRPr lang="pt-BR"/>
           </a:p>
@@ -4772,7 +4777,7 @@
               <a:pPr>
                 <a:defRPr/>
               </a:pPr>
-              <a:t>05/05/2012</a:t>
+              <a:t>24/09/2012</a:t>
             </a:fld>
             <a:endParaRPr lang="pt-BR"/>
           </a:p>
@@ -4875,7 +4880,7 @@
               <a:pPr>
                 <a:defRPr/>
               </a:pPr>
-              <a:t>‹nº›</a:t>
+              <a:t>‹#›</a:t>
             </a:fld>
             <a:endParaRPr lang="pt-BR"/>
           </a:p>
